--- a/MariusScraping.pptx
+++ b/MariusScraping.pptx
@@ -3887,11 +3887,11 @@
             </a:r>
             <a:r>
               <a:rPr lang="en-US" dirty="0"/>
-              <a:t>', 'price', 'target', 'rating', 'initiated', 'upside', 'therapeutics', 'buy', '</a:t>
+              <a:t>', 'price', 'target', 'rating', 'initiated', 'therapeutics', 'upside', 'buy', '</a:t>
             </a:r>
             <a:r>
               <a:rPr lang="en-US" dirty="0" err="1"/>
-              <a:t>nyse</a:t>
+              <a:t>nnn</a:t>
             </a:r>
             <a:r>
               <a:rPr lang="en-US" dirty="0"/>

--- a/MariusScraping.pptx
+++ b/MariusScraping.pptx
@@ -3857,7 +3857,15 @@
             </a:r>
             <a:r>
               <a:rPr lang="en-US" dirty="0"/>
-              <a:t>', 'gene', 'editing', 'medicine', '</a:t>
+              <a:t>', 'gene', ‘target</a:t>
+            </a:r>
+            <a:r>
+              <a:rPr lang="en-US"/>
+              <a:t>', ‘patient', </a:t>
+            </a:r>
+            <a:r>
+              <a:rPr lang="en-US" dirty="0"/>
+              <a:t>'</a:t>
             </a:r>
             <a:r>
               <a:rPr lang="en-US" dirty="0" err="1"/>
